--- a/Figures/TyingTheSynthesisKnot.pptx
+++ b/Figures/TyingTheSynthesisKnot.pptx
@@ -288,7 +288,7 @@
           <a:p>
             <a:fld id="{47B9A199-D001-9B4E-B758-14EC809AFE55}" type="datetimeFigureOut">
               <a:rPr lang="da-DK" smtClean="0"/>
-              <a:t>01/06/14</a:t>
+              <a:t>07/07/14</a:t>
             </a:fld>
             <a:endParaRPr lang="en-GB"/>
           </a:p>
@@ -458,7 +458,7 @@
           <a:p>
             <a:fld id="{47B9A199-D001-9B4E-B758-14EC809AFE55}" type="datetimeFigureOut">
               <a:rPr lang="da-DK" smtClean="0"/>
-              <a:t>01/06/14</a:t>
+              <a:t>07/07/14</a:t>
             </a:fld>
             <a:endParaRPr lang="en-GB"/>
           </a:p>
@@ -638,7 +638,7 @@
           <a:p>
             <a:fld id="{47B9A199-D001-9B4E-B758-14EC809AFE55}" type="datetimeFigureOut">
               <a:rPr lang="da-DK" smtClean="0"/>
-              <a:t>01/06/14</a:t>
+              <a:t>07/07/14</a:t>
             </a:fld>
             <a:endParaRPr lang="en-GB"/>
           </a:p>
@@ -808,7 +808,7 @@
           <a:p>
             <a:fld id="{47B9A199-D001-9B4E-B758-14EC809AFE55}" type="datetimeFigureOut">
               <a:rPr lang="da-DK" smtClean="0"/>
-              <a:t>01/06/14</a:t>
+              <a:t>07/07/14</a:t>
             </a:fld>
             <a:endParaRPr lang="en-GB"/>
           </a:p>
@@ -1054,7 +1054,7 @@
           <a:p>
             <a:fld id="{47B9A199-D001-9B4E-B758-14EC809AFE55}" type="datetimeFigureOut">
               <a:rPr lang="da-DK" smtClean="0"/>
-              <a:t>01/06/14</a:t>
+              <a:t>07/07/14</a:t>
             </a:fld>
             <a:endParaRPr lang="en-GB"/>
           </a:p>
@@ -1342,7 +1342,7 @@
           <a:p>
             <a:fld id="{47B9A199-D001-9B4E-B758-14EC809AFE55}" type="datetimeFigureOut">
               <a:rPr lang="da-DK" smtClean="0"/>
-              <a:t>01/06/14</a:t>
+              <a:t>07/07/14</a:t>
             </a:fld>
             <a:endParaRPr lang="en-GB"/>
           </a:p>
@@ -1764,7 +1764,7 @@
           <a:p>
             <a:fld id="{47B9A199-D001-9B4E-B758-14EC809AFE55}" type="datetimeFigureOut">
               <a:rPr lang="da-DK" smtClean="0"/>
-              <a:t>01/06/14</a:t>
+              <a:t>07/07/14</a:t>
             </a:fld>
             <a:endParaRPr lang="en-GB"/>
           </a:p>
@@ -1882,7 +1882,7 @@
           <a:p>
             <a:fld id="{47B9A199-D001-9B4E-B758-14EC809AFE55}" type="datetimeFigureOut">
               <a:rPr lang="da-DK" smtClean="0"/>
-              <a:t>01/06/14</a:t>
+              <a:t>07/07/14</a:t>
             </a:fld>
             <a:endParaRPr lang="en-GB"/>
           </a:p>
@@ -1977,7 +1977,7 @@
           <a:p>
             <a:fld id="{47B9A199-D001-9B4E-B758-14EC809AFE55}" type="datetimeFigureOut">
               <a:rPr lang="da-DK" smtClean="0"/>
-              <a:t>01/06/14</a:t>
+              <a:t>07/07/14</a:t>
             </a:fld>
             <a:endParaRPr lang="en-GB"/>
           </a:p>
@@ -2254,7 +2254,7 @@
           <a:p>
             <a:fld id="{47B9A199-D001-9B4E-B758-14EC809AFE55}" type="datetimeFigureOut">
               <a:rPr lang="da-DK" smtClean="0"/>
-              <a:t>01/06/14</a:t>
+              <a:t>07/07/14</a:t>
             </a:fld>
             <a:endParaRPr lang="en-GB"/>
           </a:p>
@@ -2507,7 +2507,7 @@
           <a:p>
             <a:fld id="{47B9A199-D001-9B4E-B758-14EC809AFE55}" type="datetimeFigureOut">
               <a:rPr lang="da-DK" smtClean="0"/>
-              <a:t>01/06/14</a:t>
+              <a:t>07/07/14</a:t>
             </a:fld>
             <a:endParaRPr lang="en-GB"/>
           </a:p>
@@ -2720,7 +2720,7 @@
           <a:p>
             <a:fld id="{47B9A199-D001-9B4E-B758-14EC809AFE55}" type="datetimeFigureOut">
               <a:rPr lang="da-DK" smtClean="0"/>
-              <a:t>01/06/14</a:t>
+              <a:t>07/07/14</a:t>
             </a:fld>
             <a:endParaRPr lang="en-GB"/>
           </a:p>
@@ -3152,7 +3152,7 @@
               <a:t>: </a:t>
             </a:r>
             <a:r>
-              <a:rPr lang="en-GB" dirty="0">
+              <a:rPr lang="en-GB" dirty="0" smtClean="0">
                 <a:latin typeface="Lucida Console"/>
                 <a:cs typeface="Lucida Console"/>
               </a:rPr>
@@ -3166,14 +3166,7 @@
                 <a:latin typeface="Lucida Console"/>
                 <a:cs typeface="Lucida Console"/>
               </a:rPr>
-              <a:t>index</a:t>
-            </a:r>
-            <a:r>
-              <a:rPr lang="en-GB" dirty="0" smtClean="0">
-                <a:latin typeface="Lucida Console"/>
-                <a:cs typeface="Lucida Console"/>
-              </a:rPr>
-              <a:t> </a:t>
+              <a:t>ix </a:t>
             </a:r>
             <a:r>
               <a:rPr lang="en-GB" dirty="0" smtClean="0">
@@ -3233,47 +3226,37 @@
                 <a:latin typeface="Lucida Console"/>
                 <a:cs typeface="Lucida Console"/>
               </a:rPr>
-              <a:t>index</a:t>
+              <a:t>ix</a:t>
+            </a:r>
+            <a:endParaRPr lang="en-GB" dirty="0" smtClean="0">
+              <a:latin typeface="Lucida Console"/>
+              <a:cs typeface="Lucida Console"/>
+            </a:endParaRPr>
+          </a:p>
+          <a:p>
+            <a:r>
+              <a:rPr lang="en-GB" dirty="0">
+                <a:latin typeface="Lucida Console"/>
+                <a:cs typeface="Lucida Console"/>
+              </a:rPr>
+              <a:t>	</a:t>
             </a:r>
             <a:r>
               <a:rPr lang="en-GB" dirty="0" smtClean="0">
                 <a:latin typeface="Lucida Console"/>
                 <a:cs typeface="Lucida Console"/>
               </a:rPr>
-              <a:t> </a:t>
-            </a:r>
-          </a:p>
-          <a:p>
-            <a:r>
-              <a:rPr lang="en-GB" dirty="0">
-                <a:latin typeface="Lucida Console"/>
-                <a:cs typeface="Lucida Console"/>
-              </a:rPr>
-              <a:t>	</a:t>
+              <a:t>	      -&gt; </a:t>
             </a:r>
             <a:r>
               <a:rPr lang="en-GB" dirty="0" smtClean="0">
-                <a:latin typeface="Lucida Console"/>
-                <a:cs typeface="Lucida Console"/>
-              </a:rPr>
-              <a:t>	      -&gt; </a:t>
-            </a:r>
-            <a:r>
-              <a:rPr lang="en-GB" dirty="0" smtClean="0">
                 <a:solidFill>
                   <a:srgbClr val="D99694"/>
                 </a:solidFill>
                 <a:latin typeface="Lucida Console"/>
                 <a:cs typeface="Lucida Console"/>
               </a:rPr>
-              <a:t>index</a:t>
-            </a:r>
-            <a:r>
-              <a:rPr lang="en-GB" dirty="0" smtClean="0">
-                <a:latin typeface="Lucida Console"/>
-                <a:cs typeface="Lucida Console"/>
-              </a:rPr>
-              <a:t> </a:t>
+              <a:t>ix </a:t>
             </a:r>
             <a:r>
               <a:rPr lang="en-GB" dirty="0" smtClean="0">
@@ -3400,14 +3383,21 @@
                 <a:latin typeface="Lucida Console"/>
                 <a:cs typeface="Lucida Console"/>
               </a:rPr>
-              <a:t>index</a:t>
+              <a:t>ix</a:t>
             </a:r>
             <a:r>
               <a:rPr lang="en-GB" dirty="0" smtClean="0">
                 <a:latin typeface="Lucida Console"/>
                 <a:cs typeface="Lucida Console"/>
               </a:rPr>
-              <a:t>} -&gt; {</a:t>
+              <a:t>} </a:t>
+            </a:r>
+            <a:r>
+              <a:rPr lang="en-GB" dirty="0" smtClean="0">
+                <a:latin typeface="Lucida Console"/>
+                <a:cs typeface="Lucida Console"/>
+              </a:rPr>
+              <a:t>-&gt; {</a:t>
             </a:r>
             <a:r>
               <a:rPr lang="en-GB" dirty="0" err="1" smtClean="0">
@@ -3434,7 +3424,7 @@
                 <a:latin typeface="Lucida Console"/>
                 <a:cs typeface="Lucida Console"/>
               </a:rPr>
-              <a:t>index</a:t>
+              <a:t>ix</a:t>
             </a:r>
             <a:r>
               <a:rPr lang="en-GB" dirty="0" smtClean="0">
@@ -3443,6 +3433,10 @@
               </a:rPr>
               <a:t>} </a:t>
             </a:r>
+            <a:endParaRPr lang="en-GB" dirty="0" smtClean="0">
+              <a:latin typeface="Lucida Console"/>
+              <a:cs typeface="Lucida Console"/>
+            </a:endParaRPr>
           </a:p>
           <a:p>
             <a:r>
@@ -3457,14 +3451,7 @@
                 <a:latin typeface="Lucida Console"/>
                 <a:cs typeface="Lucida Console"/>
               </a:rPr>
-              <a:t>		</a:t>
-            </a:r>
-            <a:r>
-              <a:rPr lang="en-GB" dirty="0" smtClean="0">
-                <a:latin typeface="Lucida Console"/>
-                <a:cs typeface="Lucida Console"/>
-              </a:rPr>
-              <a:t>-&gt; </a:t>
+              <a:t>		-&gt; </a:t>
             </a:r>
             <a:r>
               <a:rPr lang="en-GB" dirty="0" smtClean="0">
